--- a/Adidas Sale Analysis.pptx
+++ b/Adidas Sale Analysis.pptx
@@ -8,8 +8,7 @@
     <p:sldId id="258" r:id="rId2"/>
     <p:sldId id="256" r:id="rId3"/>
     <p:sldId id="257" r:id="rId4"/>
-    <p:sldId id="260" r:id="rId5"/>
-    <p:sldId id="259" r:id="rId6"/>
+    <p:sldId id="259" r:id="rId5"/>
   </p:sldIdLst>
   <p:sldSz cx="12192000" cy="6858000"/>
   <p:notesSz cx="6858000" cy="9144000"/>
@@ -5256,76 +5255,6 @@
 <file path=ppt/slides/slide4.xml><?xml version="1.0" encoding="utf-8"?>
 <p:sld xmlns:a="http://schemas.openxmlformats.org/drawingml/2006/main" xmlns:r="http://schemas.openxmlformats.org/officeDocument/2006/relationships" xmlns:p="http://schemas.openxmlformats.org/presentationml/2006/main">
   <p:cSld>
-    <p:bg>
-      <p:bgPr>
-        <a:gradFill flip="none" rotWithShape="1">
-          <a:gsLst>
-            <a:gs pos="0">
-              <a:schemeClr val="bg1">
-                <a:alpha val="91000"/>
-                <a:lumMod val="32000"/>
-                <a:lumOff val="68000"/>
-              </a:schemeClr>
-            </a:gs>
-            <a:gs pos="38000">
-              <a:schemeClr val="bg2">
-                <a:lumMod val="40000"/>
-                <a:lumOff val="60000"/>
-              </a:schemeClr>
-            </a:gs>
-            <a:gs pos="74000">
-              <a:schemeClr val="bg2">
-                <a:lumMod val="60000"/>
-                <a:lumOff val="40000"/>
-              </a:schemeClr>
-            </a:gs>
-            <a:gs pos="96000">
-              <a:srgbClr val="4FB9EA"/>
-            </a:gs>
-            <a:gs pos="100000">
-              <a:schemeClr val="bg2">
-                <a:lumMod val="75000"/>
-              </a:schemeClr>
-            </a:gs>
-          </a:gsLst>
-          <a:path path="circle">
-            <a:fillToRect l="100000" t="100000"/>
-          </a:path>
-          <a:tileRect r="-100000" b="-100000"/>
-        </a:gradFill>
-        <a:effectLst/>
-      </p:bgPr>
-    </p:bg>
-    <p:spTree>
-      <p:nvGrpSpPr>
-        <p:cNvPr id="1" name=""/>
-        <p:cNvGrpSpPr/>
-        <p:nvPr/>
-      </p:nvGrpSpPr>
-      <p:grpSpPr>
-        <a:xfrm>
-          <a:off x="0" y="0"/>
-          <a:ext cx="0" cy="0"/>
-          <a:chOff x="0" y="0"/>
-          <a:chExt cx="0" cy="0"/>
-        </a:xfrm>
-      </p:grpSpPr>
-    </p:spTree>
-    <p:extLst>
-      <p:ext uri="{BB962C8B-B14F-4D97-AF65-F5344CB8AC3E}">
-        <p14:creationId xmlns:p14="http://schemas.microsoft.com/office/powerpoint/2010/main" val="152468739"/>
-      </p:ext>
-    </p:extLst>
-  </p:cSld>
-  <p:clrMapOvr>
-    <a:overrideClrMapping bg1="dk1" tx1="lt1" bg2="dk2" tx2="lt2" accent1="accent1" accent2="accent2" accent3="accent3" accent4="accent4" accent5="accent5" accent6="accent6" hlink="hlink" folHlink="folHlink"/>
-  </p:clrMapOvr>
-</p:sld>
-</file>
-
-<file path=ppt/slides/slide5.xml><?xml version="1.0" encoding="utf-8"?>
-<p:sld xmlns:a="http://schemas.openxmlformats.org/drawingml/2006/main" xmlns:r="http://schemas.openxmlformats.org/officeDocument/2006/relationships" xmlns:p="http://schemas.openxmlformats.org/presentationml/2006/main">
-  <p:cSld>
     <p:spTree>
       <p:nvGrpSpPr>
         <p:cNvPr id="1" name=""/>
@@ -5735,47 +5664,4 @@
     </a:folHlink>
   </a:clrScheme>
 </a:themeOverride>
-</file>
-
-<file path=ppt/theme/themeOverride3.xml><?xml version="1.0" encoding="utf-8"?>
-<a:themeOverride xmlns:a="http://schemas.openxmlformats.org/drawingml/2006/main">
-  <a:clrScheme name="Banded">
-    <a:dk1>
-      <a:srgbClr val="2C2C2C"/>
-    </a:dk1>
-    <a:lt1>
-      <a:srgbClr val="FFFFFF"/>
-    </a:lt1>
-    <a:dk2>
-      <a:srgbClr val="099BDD"/>
-    </a:dk2>
-    <a:lt2>
-      <a:srgbClr val="F2F2F2"/>
-    </a:lt2>
-    <a:accent1>
-      <a:srgbClr val="FFC000"/>
-    </a:accent1>
-    <a:accent2>
-      <a:srgbClr val="A5D028"/>
-    </a:accent2>
-    <a:accent3>
-      <a:srgbClr val="08CC78"/>
-    </a:accent3>
-    <a:accent4>
-      <a:srgbClr val="F24099"/>
-    </a:accent4>
-    <a:accent5>
-      <a:srgbClr val="828288"/>
-    </a:accent5>
-    <a:accent6>
-      <a:srgbClr val="F56617"/>
-    </a:accent6>
-    <a:hlink>
-      <a:srgbClr val="005DBA"/>
-    </a:hlink>
-    <a:folHlink>
-      <a:srgbClr val="6C606A"/>
-    </a:folHlink>
-  </a:clrScheme>
-</a:themeOverride>
 </file>
--- a/Adidas Sale Analysis.pptx
+++ b/Adidas Sale Analysis.pptx
@@ -9,6 +9,7 @@
     <p:sldId id="256" r:id="rId3"/>
     <p:sldId id="257" r:id="rId4"/>
     <p:sldId id="259" r:id="rId5"/>
+    <p:sldId id="260" r:id="rId6"/>
   </p:sldIdLst>
   <p:sldSz cx="12192000" cy="6858000"/>
   <p:notesSz cx="6858000" cy="9144000"/>
@@ -5255,6 +5256,46 @@
 <file path=ppt/slides/slide4.xml><?xml version="1.0" encoding="utf-8"?>
 <p:sld xmlns:a="http://schemas.openxmlformats.org/drawingml/2006/main" xmlns:r="http://schemas.openxmlformats.org/officeDocument/2006/relationships" xmlns:p="http://schemas.openxmlformats.org/presentationml/2006/main">
   <p:cSld>
+    <p:bg>
+      <p:bgPr>
+        <a:gradFill flip="none" rotWithShape="1">
+          <a:gsLst>
+            <a:gs pos="0">
+              <a:schemeClr val="bg1">
+                <a:alpha val="91000"/>
+                <a:lumMod val="32000"/>
+                <a:lumOff val="68000"/>
+              </a:schemeClr>
+            </a:gs>
+            <a:gs pos="38000">
+              <a:schemeClr val="bg2">
+                <a:lumMod val="40000"/>
+                <a:lumOff val="60000"/>
+              </a:schemeClr>
+            </a:gs>
+            <a:gs pos="74000">
+              <a:schemeClr val="bg2">
+                <a:lumMod val="60000"/>
+                <a:lumOff val="40000"/>
+              </a:schemeClr>
+            </a:gs>
+            <a:gs pos="96000">
+              <a:srgbClr val="4FB9EA"/>
+            </a:gs>
+            <a:gs pos="100000">
+              <a:schemeClr val="bg2">
+                <a:lumMod val="75000"/>
+              </a:schemeClr>
+            </a:gs>
+          </a:gsLst>
+          <a:path path="circle">
+            <a:fillToRect l="100000" t="100000"/>
+          </a:path>
+          <a:tileRect r="-100000" b="-100000"/>
+        </a:gradFill>
+        <a:effectLst/>
+      </p:bgPr>
+    </p:bg>
     <p:spTree>
       <p:nvGrpSpPr>
         <p:cNvPr id="1" name=""/>
@@ -5271,10 +5312,10 @@
       </p:grpSpPr>
       <p:pic>
         <p:nvPicPr>
-          <p:cNvPr id="3" name="Picture 2">
+          <p:cNvPr id="4" name="Picture 3">
             <a:extLst>
               <a:ext uri="{FF2B5EF4-FFF2-40B4-BE49-F238E27FC236}">
-                <a16:creationId xmlns:a16="http://schemas.microsoft.com/office/drawing/2014/main" id="{9836FAE8-D230-DA36-DA72-3FC7A1F6CA99}"/>
+                <a16:creationId xmlns:a16="http://schemas.microsoft.com/office/drawing/2014/main" id="{0C5EEC3C-C99C-C263-8888-641BF94DA631}"/>
               </a:ext>
             </a:extLst>
           </p:cNvPr>
@@ -5284,7 +5325,7 @@
           <p:nvPr/>
         </p:nvPicPr>
         <p:blipFill>
-          <a:blip r:embed="rId2">
+          <a:blip r:embed="rId3">
             <a:extLst>
               <a:ext uri="{28A0092B-C50C-407E-A947-70E740481C1C}">
                 <a14:useLocalDpi xmlns:a14="http://schemas.microsoft.com/office/drawing/2010/main" val="0"/>
@@ -5297,14 +5338,64 @@
         </p:blipFill>
         <p:spPr>
           <a:xfrm>
-            <a:off x="346340" y="229704"/>
-            <a:ext cx="11497216" cy="6466063"/>
+            <a:off x="458103" y="432620"/>
+            <a:ext cx="11271781" cy="6078646"/>
           </a:xfrm>
           <a:prstGeom prst="rect">
             <a:avLst/>
           </a:prstGeom>
         </p:spPr>
       </p:pic>
+      <p:sp>
+        <p:nvSpPr>
+          <p:cNvPr id="5" name="Rectangle 4">
+            <a:extLst>
+              <a:ext uri="{FF2B5EF4-FFF2-40B4-BE49-F238E27FC236}">
+                <a16:creationId xmlns:a16="http://schemas.microsoft.com/office/drawing/2014/main" id="{CD765B2A-5594-DD61-2FA7-08EC4D58793E}"/>
+              </a:ext>
+            </a:extLst>
+          </p:cNvPr>
+          <p:cNvSpPr/>
+          <p:nvPr/>
+        </p:nvSpPr>
+        <p:spPr>
+          <a:xfrm>
+            <a:off x="353961" y="327070"/>
+            <a:ext cx="11503742" cy="6280207"/>
+          </a:xfrm>
+          <a:prstGeom prst="rect">
+            <a:avLst/>
+          </a:prstGeom>
+          <a:noFill/>
+          <a:ln w="38100">
+            <a:solidFill>
+              <a:schemeClr val="accent1"/>
+            </a:solidFill>
+          </a:ln>
+        </p:spPr>
+        <p:style>
+          <a:lnRef idx="0">
+            <a:scrgbClr r="0" g="0" b="0"/>
+          </a:lnRef>
+          <a:fillRef idx="0">
+            <a:scrgbClr r="0" g="0" b="0"/>
+          </a:fillRef>
+          <a:effectRef idx="0">
+            <a:scrgbClr r="0" g="0" b="0"/>
+          </a:effectRef>
+          <a:fontRef idx="minor">
+            <a:schemeClr val="dk1"/>
+          </a:fontRef>
+        </p:style>
+        <p:txBody>
+          <a:bodyPr rtlCol="0" anchor="ctr"/>
+          <a:lstStyle/>
+          <a:p>
+            <a:pPr algn="ctr"/>
+            <a:endParaRPr lang="en-IN"/>
+          </a:p>
+        </p:txBody>
+      </p:sp>
     </p:spTree>
     <p:extLst>
       <p:ext uri="{BB962C8B-B14F-4D97-AF65-F5344CB8AC3E}">
@@ -5313,7 +5404,280 @@
     </p:extLst>
   </p:cSld>
   <p:clrMapOvr>
-    <a:masterClrMapping/>
+    <a:overrideClrMapping bg1="dk1" tx1="lt1" bg2="dk2" tx2="lt2" accent1="accent1" accent2="accent2" accent3="accent3" accent4="accent4" accent5="accent5" accent6="accent6" hlink="hlink" folHlink="folHlink"/>
+  </p:clrMapOvr>
+</p:sld>
+</file>
+
+<file path=ppt/slides/slide5.xml><?xml version="1.0" encoding="utf-8"?>
+<p:sld xmlns:a="http://schemas.openxmlformats.org/drawingml/2006/main" xmlns:r="http://schemas.openxmlformats.org/officeDocument/2006/relationships" xmlns:p="http://schemas.openxmlformats.org/presentationml/2006/main">
+  <p:cSld>
+    <p:bg>
+      <p:bgPr>
+        <a:gradFill flip="none" rotWithShape="1">
+          <a:gsLst>
+            <a:gs pos="0">
+              <a:schemeClr val="bg1">
+                <a:alpha val="91000"/>
+                <a:lumMod val="32000"/>
+                <a:lumOff val="68000"/>
+              </a:schemeClr>
+            </a:gs>
+            <a:gs pos="38000">
+              <a:schemeClr val="bg2">
+                <a:lumMod val="40000"/>
+                <a:lumOff val="60000"/>
+              </a:schemeClr>
+            </a:gs>
+            <a:gs pos="74000">
+              <a:schemeClr val="bg2">
+                <a:lumMod val="60000"/>
+                <a:lumOff val="40000"/>
+              </a:schemeClr>
+            </a:gs>
+            <a:gs pos="96000">
+              <a:srgbClr val="4FB9EA"/>
+            </a:gs>
+            <a:gs pos="100000">
+              <a:schemeClr val="bg2">
+                <a:lumMod val="75000"/>
+              </a:schemeClr>
+            </a:gs>
+          </a:gsLst>
+          <a:path path="circle">
+            <a:fillToRect l="100000" t="100000"/>
+          </a:path>
+          <a:tileRect r="-100000" b="-100000"/>
+        </a:gradFill>
+        <a:effectLst/>
+      </p:bgPr>
+    </p:bg>
+    <p:spTree>
+      <p:nvGrpSpPr>
+        <p:cNvPr id="1" name=""/>
+        <p:cNvGrpSpPr/>
+        <p:nvPr/>
+      </p:nvGrpSpPr>
+      <p:grpSpPr>
+        <a:xfrm>
+          <a:off x="0" y="0"/>
+          <a:ext cx="0" cy="0"/>
+          <a:chOff x="0" y="0"/>
+          <a:chExt cx="0" cy="0"/>
+        </a:xfrm>
+      </p:grpSpPr>
+      <p:sp>
+        <p:nvSpPr>
+          <p:cNvPr id="2" name="TextBox 1">
+            <a:extLst>
+              <a:ext uri="{FF2B5EF4-FFF2-40B4-BE49-F238E27FC236}">
+                <a16:creationId xmlns:a16="http://schemas.microsoft.com/office/drawing/2014/main" id="{5D5B4CF0-5EB4-B49C-0CE9-01A439574752}"/>
+              </a:ext>
+            </a:extLst>
+          </p:cNvPr>
+          <p:cNvSpPr txBox="1"/>
+          <p:nvPr/>
+        </p:nvSpPr>
+        <p:spPr>
+          <a:xfrm>
+            <a:off x="3116826" y="589934"/>
+            <a:ext cx="5722375" cy="707886"/>
+          </a:xfrm>
+          <a:prstGeom prst="rect">
+            <a:avLst/>
+          </a:prstGeom>
+          <a:noFill/>
+        </p:spPr>
+        <p:txBody>
+          <a:bodyPr wrap="square" rtlCol="0">
+            <a:spAutoFit/>
+          </a:bodyPr>
+          <a:lstStyle/>
+          <a:p>
+            <a:r>
+              <a:rPr lang="en-IN" sz="4000" dirty="0">
+                <a:solidFill>
+                  <a:schemeClr val="tx2">
+                    <a:lumMod val="50000"/>
+                  </a:schemeClr>
+                </a:solidFill>
+                <a:latin typeface="Berlin Sans FB" panose="020E0602020502020306" pitchFamily="34" charset="0"/>
+              </a:rPr>
+              <a:t>ADIDAS SALES ANALYSIS</a:t>
+            </a:r>
+          </a:p>
+        </p:txBody>
+      </p:sp>
+      <p:sp>
+        <p:nvSpPr>
+          <p:cNvPr id="3" name="TextBox 2">
+            <a:extLst>
+              <a:ext uri="{FF2B5EF4-FFF2-40B4-BE49-F238E27FC236}">
+                <a16:creationId xmlns:a16="http://schemas.microsoft.com/office/drawing/2014/main" id="{BAD509A5-7BAF-252D-D394-4EA3D2DB93D9}"/>
+              </a:ext>
+            </a:extLst>
+          </p:cNvPr>
+          <p:cNvSpPr txBox="1"/>
+          <p:nvPr/>
+        </p:nvSpPr>
+        <p:spPr>
+          <a:xfrm>
+            <a:off x="963561" y="2015613"/>
+            <a:ext cx="10284542" cy="3416320"/>
+          </a:xfrm>
+          <a:prstGeom prst="rect">
+            <a:avLst/>
+          </a:prstGeom>
+          <a:noFill/>
+        </p:spPr>
+        <p:txBody>
+          <a:bodyPr wrap="square" rtlCol="0">
+            <a:spAutoFit/>
+          </a:bodyPr>
+          <a:lstStyle/>
+          <a:p>
+            <a:r>
+              <a:rPr lang="en-IN" b="1" u="sng" dirty="0"/>
+              <a:t>Report of the Analysis </a:t>
+            </a:r>
+          </a:p>
+          <a:p>
+            <a:r>
+              <a:rPr lang="en-IN" dirty="0"/>
+              <a:t>	</a:t>
+            </a:r>
+          </a:p>
+          <a:p>
+            <a:r>
+              <a:rPr lang="en-US" dirty="0"/>
+              <a:t>The dashboard provides a comprehensive view of Adidas' sales performance across various dimensions, including yearly and monthly trends, regional breakdowns, popular products, and retailer performance.</a:t>
+            </a:r>
+            <a:endParaRPr lang="en-IN" dirty="0"/>
+          </a:p>
+          <a:p>
+            <a:endParaRPr lang="en-IN" dirty="0"/>
+          </a:p>
+          <a:p>
+            <a:pPr marL="285750" indent="-285750">
+              <a:buFont typeface="Arial" panose="020B0604020202020204" pitchFamily="34" charset="0"/>
+              <a:buChar char="•"/>
+            </a:pPr>
+            <a:r>
+              <a:rPr lang="en-US" dirty="0"/>
+              <a:t>Sales and profits peaked in the first quarter of 2021.</a:t>
+            </a:r>
+          </a:p>
+          <a:p>
+            <a:pPr marL="285750" indent="-285750">
+              <a:buFont typeface="Arial" panose="020B0604020202020204" pitchFamily="34" charset="0"/>
+              <a:buChar char="•"/>
+            </a:pPr>
+            <a:r>
+              <a:rPr lang="en-US" dirty="0"/>
+              <a:t>There was a significant drop in sales and profits in the second half of 2020.</a:t>
+            </a:r>
+          </a:p>
+          <a:p>
+            <a:pPr marL="285750" indent="-285750">
+              <a:buFont typeface="Arial" panose="020B0604020202020204" pitchFamily="34" charset="0"/>
+              <a:buChar char="•"/>
+            </a:pPr>
+            <a:r>
+              <a:rPr lang="en-US" dirty="0"/>
+              <a:t>The West and Southeast regions have the highest sales and profits.</a:t>
+            </a:r>
+          </a:p>
+          <a:p>
+            <a:pPr marL="285750" indent="-285750">
+              <a:buFont typeface="Arial" panose="020B0604020202020204" pitchFamily="34" charset="0"/>
+              <a:buChar char="•"/>
+            </a:pPr>
+            <a:r>
+              <a:rPr lang="en-US" dirty="0"/>
+              <a:t>Men's products seem to be more popular than women's products.</a:t>
+            </a:r>
+          </a:p>
+          <a:p>
+            <a:pPr marL="285750" indent="-285750">
+              <a:buFont typeface="Arial" panose="020B0604020202020204" pitchFamily="34" charset="0"/>
+              <a:buChar char="•"/>
+            </a:pPr>
+            <a:r>
+              <a:rPr lang="en-US" dirty="0"/>
+              <a:t>Foot Locker and Sports Direct seem to be the top-performing retailers.</a:t>
+            </a:r>
+          </a:p>
+          <a:p>
+            <a:pPr marL="285750" indent="-285750">
+              <a:buFont typeface="Arial" panose="020B0604020202020204" pitchFamily="34" charset="0"/>
+              <a:buChar char="•"/>
+            </a:pPr>
+            <a:endParaRPr lang="en-IN" dirty="0"/>
+          </a:p>
+          <a:p>
+            <a:endParaRPr lang="en-IN" dirty="0"/>
+          </a:p>
+        </p:txBody>
+      </p:sp>
+      <p:sp>
+        <p:nvSpPr>
+          <p:cNvPr id="4" name="Rectangle 3">
+            <a:extLst>
+              <a:ext uri="{FF2B5EF4-FFF2-40B4-BE49-F238E27FC236}">
+                <a16:creationId xmlns:a16="http://schemas.microsoft.com/office/drawing/2014/main" id="{975FFE3D-7DB7-D383-152A-885CD9F62EE5}"/>
+              </a:ext>
+            </a:extLst>
+          </p:cNvPr>
+          <p:cNvSpPr/>
+          <p:nvPr/>
+        </p:nvSpPr>
+        <p:spPr>
+          <a:xfrm>
+            <a:off x="353961" y="327070"/>
+            <a:ext cx="11503742" cy="6280207"/>
+          </a:xfrm>
+          <a:prstGeom prst="rect">
+            <a:avLst/>
+          </a:prstGeom>
+          <a:noFill/>
+          <a:ln w="38100">
+            <a:solidFill>
+              <a:schemeClr val="accent1"/>
+            </a:solidFill>
+          </a:ln>
+        </p:spPr>
+        <p:style>
+          <a:lnRef idx="0">
+            <a:scrgbClr r="0" g="0" b="0"/>
+          </a:lnRef>
+          <a:fillRef idx="0">
+            <a:scrgbClr r="0" g="0" b="0"/>
+          </a:fillRef>
+          <a:effectRef idx="0">
+            <a:scrgbClr r="0" g="0" b="0"/>
+          </a:effectRef>
+          <a:fontRef idx="minor">
+            <a:schemeClr val="dk1"/>
+          </a:fontRef>
+        </p:style>
+        <p:txBody>
+          <a:bodyPr rtlCol="0" anchor="ctr"/>
+          <a:lstStyle/>
+          <a:p>
+            <a:pPr algn="ctr"/>
+            <a:endParaRPr lang="en-IN"/>
+          </a:p>
+        </p:txBody>
+      </p:sp>
+    </p:spTree>
+    <p:extLst>
+      <p:ext uri="{BB962C8B-B14F-4D97-AF65-F5344CB8AC3E}">
+        <p14:creationId xmlns:p14="http://schemas.microsoft.com/office/powerpoint/2010/main" val="3088206802"/>
+      </p:ext>
+    </p:extLst>
+  </p:cSld>
+  <p:clrMapOvr>
+    <a:overrideClrMapping bg1="dk1" tx1="lt1" bg2="dk2" tx2="lt2" accent1="accent1" accent2="accent2" accent3="accent3" accent4="accent4" accent5="accent5" accent6="accent6" hlink="hlink" folHlink="folHlink"/>
   </p:clrMapOvr>
 </p:sld>
 </file>
@@ -5664,4 +6028,90 @@
     </a:folHlink>
   </a:clrScheme>
 </a:themeOverride>
+</file>
+
+<file path=ppt/theme/themeOverride3.xml><?xml version="1.0" encoding="utf-8"?>
+<a:themeOverride xmlns:a="http://schemas.openxmlformats.org/drawingml/2006/main">
+  <a:clrScheme name="Banded">
+    <a:dk1>
+      <a:srgbClr val="2C2C2C"/>
+    </a:dk1>
+    <a:lt1>
+      <a:srgbClr val="FFFFFF"/>
+    </a:lt1>
+    <a:dk2>
+      <a:srgbClr val="099BDD"/>
+    </a:dk2>
+    <a:lt2>
+      <a:srgbClr val="F2F2F2"/>
+    </a:lt2>
+    <a:accent1>
+      <a:srgbClr val="FFC000"/>
+    </a:accent1>
+    <a:accent2>
+      <a:srgbClr val="A5D028"/>
+    </a:accent2>
+    <a:accent3>
+      <a:srgbClr val="08CC78"/>
+    </a:accent3>
+    <a:accent4>
+      <a:srgbClr val="F24099"/>
+    </a:accent4>
+    <a:accent5>
+      <a:srgbClr val="828288"/>
+    </a:accent5>
+    <a:accent6>
+      <a:srgbClr val="F56617"/>
+    </a:accent6>
+    <a:hlink>
+      <a:srgbClr val="005DBA"/>
+    </a:hlink>
+    <a:folHlink>
+      <a:srgbClr val="6C606A"/>
+    </a:folHlink>
+  </a:clrScheme>
+</a:themeOverride>
+</file>
+
+<file path=ppt/theme/themeOverride4.xml><?xml version="1.0" encoding="utf-8"?>
+<a:themeOverride xmlns:a="http://schemas.openxmlformats.org/drawingml/2006/main">
+  <a:clrScheme name="Banded">
+    <a:dk1>
+      <a:srgbClr val="2C2C2C"/>
+    </a:dk1>
+    <a:lt1>
+      <a:srgbClr val="FFFFFF"/>
+    </a:lt1>
+    <a:dk2>
+      <a:srgbClr val="099BDD"/>
+    </a:dk2>
+    <a:lt2>
+      <a:srgbClr val="F2F2F2"/>
+    </a:lt2>
+    <a:accent1>
+      <a:srgbClr val="FFC000"/>
+    </a:accent1>
+    <a:accent2>
+      <a:srgbClr val="A5D028"/>
+    </a:accent2>
+    <a:accent3>
+      <a:srgbClr val="08CC78"/>
+    </a:accent3>
+    <a:accent4>
+      <a:srgbClr val="F24099"/>
+    </a:accent4>
+    <a:accent5>
+      <a:srgbClr val="828288"/>
+    </a:accent5>
+    <a:accent6>
+      <a:srgbClr val="F56617"/>
+    </a:accent6>
+    <a:hlink>
+      <a:srgbClr val="005DBA"/>
+    </a:hlink>
+    <a:folHlink>
+      <a:srgbClr val="6C606A"/>
+    </a:folHlink>
+  </a:clrScheme>
+</a:themeOverride>
 </file>